--- a/doc/ppt/流星实时开发平台介绍.pptx
+++ b/doc/ppt/流星实时开发平台介绍.pptx
@@ -13,8 +13,8 @@
   </p:handoutMasterIdLst>
   <p:sldIdLst>
     <p:sldId id="972" r:id="rId3"/>
-    <p:sldId id="1177" r:id="rId4"/>
-    <p:sldId id="1178" r:id="rId5"/>
+    <p:sldId id="1192" r:id="rId4"/>
+    <p:sldId id="1177" r:id="rId5"/>
     <p:sldId id="1179" r:id="rId6"/>
     <p:sldId id="1185" r:id="rId7"/>
     <p:sldId id="1191" r:id="rId8"/>
@@ -287,7 +287,7 @@
               <a:pPr>
                 <a:defRPr/>
               </a:pPr>
-              <a:t>2016/9/19 Monday</a:t>
+              <a:t>2016/10/21 Friday</a:t>
             </a:fld>
             <a:endParaRPr lang="zh-CN" altLang="en-US"/>
           </a:p>
@@ -483,7 +483,7 @@
               <a:pPr>
                 <a:defRPr/>
               </a:pPr>
-              <a:t>2016/9/19 Monday</a:t>
+              <a:t>2016/10/21 Friday</a:t>
             </a:fld>
             <a:endParaRPr lang="zh-CN" altLang="en-US"/>
           </a:p>
@@ -1189,7 +1189,7 @@
               <a:pPr>
                 <a:defRPr/>
               </a:pPr>
-              <a:t>2016/9/19 Monday</a:t>
+              <a:t>2016/10/21 Friday</a:t>
             </a:fld>
             <a:endParaRPr lang="zh-CN" altLang="en-US"/>
           </a:p>
@@ -1381,7 +1381,7 @@
               <a:pPr>
                 <a:defRPr/>
               </a:pPr>
-              <a:t>2016/9/19 Monday</a:t>
+              <a:t>2016/10/21 Friday</a:t>
             </a:fld>
             <a:endParaRPr lang="zh-CN" altLang="en-US"/>
           </a:p>
@@ -1583,7 +1583,7 @@
               <a:pPr>
                 <a:defRPr/>
               </a:pPr>
-              <a:t>2016/9/19 Monday</a:t>
+              <a:t>2016/10/21 Friday</a:t>
             </a:fld>
             <a:endParaRPr lang="zh-CN" altLang="en-US"/>
           </a:p>
@@ -2002,7 +2002,7 @@
               <a:pPr>
                 <a:defRPr/>
               </a:pPr>
-              <a:t>2016/9/19 Monday</a:t>
+              <a:t>2016/10/21 Friday</a:t>
             </a:fld>
             <a:endParaRPr lang="zh-CN" altLang="en-US"/>
           </a:p>
@@ -2194,7 +2194,7 @@
               <a:pPr>
                 <a:defRPr/>
               </a:pPr>
-              <a:t>2016/9/19 Monday</a:t>
+              <a:t>2016/10/21 Friday</a:t>
             </a:fld>
             <a:endParaRPr lang="zh-CN" altLang="en-US"/>
           </a:p>
@@ -2462,7 +2462,7 @@
               <a:pPr>
                 <a:defRPr/>
               </a:pPr>
-              <a:t>2016/9/19 Monday</a:t>
+              <a:t>2016/10/21 Friday</a:t>
             </a:fld>
             <a:endParaRPr lang="zh-CN" altLang="en-US"/>
           </a:p>
@@ -2856,7 +2856,7 @@
               <a:pPr>
                 <a:defRPr/>
               </a:pPr>
-              <a:t>2016/9/19 Monday</a:t>
+              <a:t>2016/10/21 Friday</a:t>
             </a:fld>
             <a:endParaRPr lang="zh-CN" altLang="en-US"/>
           </a:p>
@@ -3384,7 +3384,7 @@
               <a:pPr>
                 <a:defRPr/>
               </a:pPr>
-              <a:t>2016/9/19 Monday</a:t>
+              <a:t>2016/10/21 Friday</a:t>
             </a:fld>
             <a:endParaRPr lang="zh-CN" altLang="en-US"/>
           </a:p>
@@ -3608,7 +3608,7 @@
               <a:pPr>
                 <a:defRPr/>
               </a:pPr>
-              <a:t>2016/9/19 Monday</a:t>
+              <a:t>2016/10/21 Friday</a:t>
             </a:fld>
             <a:endParaRPr lang="zh-CN" altLang="en-US"/>
           </a:p>
@@ -3809,7 +3809,7 @@
               <a:pPr>
                 <a:defRPr/>
               </a:pPr>
-              <a:t>2016/9/19 Monday</a:t>
+              <a:t>2016/10/21 Friday</a:t>
             </a:fld>
             <a:endParaRPr lang="zh-CN" altLang="en-US"/>
           </a:p>
@@ -4133,7 +4133,7 @@
               <a:pPr>
                 <a:defRPr/>
               </a:pPr>
-              <a:t>2016/9/19 Monday</a:t>
+              <a:t>2016/10/21 Friday</a:t>
             </a:fld>
             <a:endParaRPr lang="zh-CN" altLang="en-US"/>
           </a:p>
@@ -4516,7 +4516,7 @@
               <a:pPr>
                 <a:defRPr/>
               </a:pPr>
-              <a:t>2016/9/19 Monday</a:t>
+              <a:t>2016/10/21 Friday</a:t>
             </a:fld>
             <a:endParaRPr lang="zh-CN" altLang="en-US"/>
           </a:p>
@@ -4878,7 +4878,7 @@
               <a:pPr>
                 <a:defRPr/>
               </a:pPr>
-              <a:t>2016/9/19 Monday</a:t>
+              <a:t>2016/10/21 Friday</a:t>
             </a:fld>
             <a:endParaRPr lang="zh-CN" altLang="en-US"/>
           </a:p>
@@ -5154,7 +5154,7 @@
               <a:pPr>
                 <a:defRPr/>
               </a:pPr>
-              <a:t>2016/9/19 Monday</a:t>
+              <a:t>2016/10/21 Friday</a:t>
             </a:fld>
             <a:endParaRPr lang="zh-CN" altLang="en-US"/>
           </a:p>
@@ -5440,7 +5440,7 @@
               <a:pPr>
                 <a:defRPr/>
               </a:pPr>
-              <a:t>2016/9/19 Monday</a:t>
+              <a:t>2016/10/21 Friday</a:t>
             </a:fld>
             <a:endParaRPr lang="zh-CN" altLang="en-US"/>
           </a:p>
@@ -5792,7 +5792,7 @@
               <a:pPr>
                 <a:defRPr/>
               </a:pPr>
-              <a:t>2016/9/19 Monday</a:t>
+              <a:t>2016/10/21 Friday</a:t>
             </a:fld>
             <a:endParaRPr lang="zh-CN" altLang="en-US"/>
           </a:p>
@@ -6186,7 +6186,7 @@
               <a:pPr>
                 <a:defRPr/>
               </a:pPr>
-              <a:t>2016/9/19 Monday</a:t>
+              <a:t>2016/10/21 Friday</a:t>
             </a:fld>
             <a:endParaRPr lang="zh-CN" altLang="en-US"/>
           </a:p>
@@ -6714,7 +6714,7 @@
               <a:pPr>
                 <a:defRPr/>
               </a:pPr>
-              <a:t>2016/9/19 Monday</a:t>
+              <a:t>2016/10/21 Friday</a:t>
             </a:fld>
             <a:endParaRPr lang="zh-CN" altLang="en-US"/>
           </a:p>
@@ -6938,7 +6938,7 @@
               <a:pPr>
                 <a:defRPr/>
               </a:pPr>
-              <a:t>2016/9/19 Monday</a:t>
+              <a:t>2016/10/21 Friday</a:t>
             </a:fld>
             <a:endParaRPr lang="zh-CN" altLang="en-US"/>
           </a:p>
@@ -7139,7 +7139,7 @@
               <a:pPr>
                 <a:defRPr/>
               </a:pPr>
-              <a:t>2016/9/19 Monday</a:t>
+              <a:t>2016/10/21 Friday</a:t>
             </a:fld>
             <a:endParaRPr lang="zh-CN" altLang="en-US"/>
           </a:p>
@@ -7438,7 +7438,7 @@
               <a:pPr>
                 <a:defRPr/>
               </a:pPr>
-              <a:t>2016/9/19 Monday</a:t>
+              <a:t>2016/10/21 Friday</a:t>
             </a:fld>
             <a:endParaRPr lang="zh-CN" altLang="en-US"/>
           </a:p>
@@ -7803,7 +7803,7 @@
               <a:pPr>
                 <a:defRPr/>
               </a:pPr>
-              <a:t>2016/9/19 Monday</a:t>
+              <a:t>2016/10/21 Friday</a:t>
             </a:fld>
             <a:endParaRPr lang="zh-CN" altLang="en-US"/>
           </a:p>
@@ -8068,7 +8068,7 @@
               <a:pPr>
                 <a:defRPr/>
               </a:pPr>
-              <a:t>2016/9/19 Monday</a:t>
+              <a:t>2016/10/21 Friday</a:t>
             </a:fld>
             <a:endParaRPr lang="zh-CN" altLang="en-US"/>
           </a:p>
@@ -8777,7 +8777,7 @@
               <a:pPr>
                 <a:defRPr/>
               </a:pPr>
-              <a:t>2016/9/19 Monday</a:t>
+              <a:t>2016/10/21 Friday</a:t>
             </a:fld>
             <a:endParaRPr lang="zh-CN" altLang="en-US"/>
           </a:p>
@@ -9320,7 +9320,7 @@
         <p:spPr bwMode="auto">
           <a:xfrm>
             <a:off x="395288" y="2356138"/>
-            <a:ext cx="8280400" cy="784830"/>
+            <a:ext cx="8280400" cy="707886"/>
           </a:xfrm>
           <a:prstGeom prst="rect">
             <a:avLst/>
@@ -9341,16 +9341,26 @@
           <a:p>
             <a:pPr algn="ctr"/>
             <a:r>
-              <a:rPr lang="zh-CN" altLang="en-US" sz="4500" b="1" dirty="0" smtClean="0">
+              <a:rPr lang="en-US" altLang="zh-CN" sz="4000" b="1" dirty="0" smtClean="0">
                 <a:solidFill>
                   <a:schemeClr val="bg1"/>
                 </a:solidFill>
                 <a:latin typeface="微软雅黑" pitchFamily="34" charset="-122"/>
                 <a:ea typeface="微软雅黑" pitchFamily="34" charset="-122"/>
               </a:rPr>
-              <a:t>流星实时数据开发平台介绍</a:t>
-            </a:r>
-            <a:endParaRPr lang="zh-CN" altLang="en-US" sz="2800" b="1" dirty="0">
+              <a:t>spark</a:t>
+            </a:r>
+            <a:r>
+              <a:rPr lang="zh-CN" altLang="en-US" sz="4000" b="1" dirty="0" smtClean="0">
+                <a:solidFill>
+                  <a:schemeClr val="bg1"/>
+                </a:solidFill>
+                <a:latin typeface="微软雅黑" pitchFamily="34" charset="-122"/>
+                <a:ea typeface="微软雅黑" pitchFamily="34" charset="-122"/>
+              </a:rPr>
+              <a:t>流星近实时数据开发平台介绍</a:t>
+            </a:r>
+            <a:endParaRPr lang="zh-CN" altLang="en-US" sz="4000" b="1" dirty="0">
               <a:solidFill>
                 <a:schemeClr val="bg1"/>
               </a:solidFill>
@@ -9478,7 +9488,7 @@
                 <a:latin typeface="华文隶书" pitchFamily="2" charset="-122"/>
                 <a:ea typeface="华文隶书" pitchFamily="2" charset="-122"/>
               </a:rPr>
-              <a:t>2016-09-19</a:t>
+              <a:t>2016-10-16</a:t>
             </a:r>
             <a:endParaRPr lang="zh-CN" altLang="en-US" sz="2400" dirty="0">
               <a:latin typeface="华文隶书" pitchFamily="2" charset="-122"/>
@@ -9539,7 +9549,7 @@
           <a:p>
             <a:r>
               <a:rPr lang="zh-CN" altLang="en-US" dirty="0" smtClean="0"/>
-              <a:t>背景</a:t>
+              <a:t>介绍</a:t>
             </a:r>
             <a:endParaRPr lang="zh-CN" altLang="en-US" dirty="0"/>
           </a:p>
@@ -9555,24 +9565,268 @@
             <p:ph idx="1"/>
           </p:nvPr>
         </p:nvSpPr>
-        <p:spPr/>
+        <p:spPr>
+          <a:xfrm>
+            <a:off x="457200" y="3180109"/>
+            <a:ext cx="8229600" cy="3129211"/>
+          </a:xfrm>
+        </p:spPr>
         <p:txBody>
           <a:bodyPr/>
           <a:lstStyle/>
           <a:p>
             <a:pPr>
-              <a:buNone/>
+              <a:spcBef>
+                <a:spcPts val="2400"/>
+              </a:spcBef>
+              <a:buFont typeface="Wingdings" pitchFamily="2" charset="2"/>
+              <a:buChar char="ü"/>
             </a:pPr>
             <a:r>
               <a:rPr lang="zh-CN" altLang="en-US" dirty="0" smtClean="0">
                 <a:latin typeface="隶书" pitchFamily="49" charset="-122"/>
                 <a:ea typeface="隶书" pitchFamily="49" charset="-122"/>
               </a:rPr>
-              <a:t>大数据统计分析，传统技术解决方案：</a:t>
+              <a:t>流式计算平台，一般</a:t>
+            </a:r>
+            <a:r>
+              <a:rPr lang="en-US" altLang="zh-CN" dirty="0" smtClean="0">
+                <a:latin typeface="隶书" pitchFamily="49" charset="-122"/>
+                <a:ea typeface="隶书" pitchFamily="49" charset="-122"/>
+              </a:rPr>
+              <a:t>2</a:t>
+            </a:r>
+            <a:r>
+              <a:rPr lang="zh-CN" altLang="en-US" dirty="0" smtClean="0">
+                <a:latin typeface="隶书" pitchFamily="49" charset="-122"/>
+                <a:ea typeface="隶书" pitchFamily="49" charset="-122"/>
+              </a:rPr>
+              <a:t>分钟时延</a:t>
             </a:r>
             <a:endParaRPr lang="en-US" altLang="zh-CN" dirty="0" smtClean="0">
               <a:latin typeface="隶书" pitchFamily="49" charset="-122"/>
               <a:ea typeface="隶书" pitchFamily="49" charset="-122"/>
+            </a:endParaRPr>
+          </a:p>
+          <a:p>
+            <a:pPr>
+              <a:spcBef>
+                <a:spcPts val="2400"/>
+              </a:spcBef>
+              <a:buFont typeface="Wingdings" pitchFamily="2" charset="2"/>
+              <a:buChar char="ü"/>
+            </a:pPr>
+            <a:r>
+              <a:rPr lang="zh-CN" altLang="en-US" dirty="0" smtClean="0">
+                <a:latin typeface="隶书" pitchFamily="49" charset="-122"/>
+                <a:ea typeface="隶书" pitchFamily="49" charset="-122"/>
+              </a:rPr>
+              <a:t>基于</a:t>
+            </a:r>
+            <a:r>
+              <a:rPr lang="en-US" altLang="zh-CN" dirty="0" smtClean="0">
+                <a:latin typeface="隶书" pitchFamily="49" charset="-122"/>
+                <a:ea typeface="隶书" pitchFamily="49" charset="-122"/>
+              </a:rPr>
+              <a:t>hive </a:t>
+            </a:r>
+            <a:r>
+              <a:rPr lang="en-US" altLang="zh-CN" dirty="0" err="1" smtClean="0">
+                <a:latin typeface="隶书" pitchFamily="49" charset="-122"/>
+                <a:ea typeface="隶书" pitchFamily="49" charset="-122"/>
+              </a:rPr>
+              <a:t>sql</a:t>
+            </a:r>
+            <a:r>
+              <a:rPr lang="zh-CN" altLang="en-US" dirty="0" smtClean="0">
+                <a:latin typeface="隶书" pitchFamily="49" charset="-122"/>
+                <a:ea typeface="隶书" pitchFamily="49" charset="-122"/>
+              </a:rPr>
+              <a:t>，能计算各种复杂业务</a:t>
+            </a:r>
+          </a:p>
+          <a:p>
+            <a:pPr>
+              <a:buNone/>
+            </a:pPr>
+            <a:r>
+              <a:rPr lang="en-US" altLang="zh-CN" sz="1800" dirty="0" smtClean="0">
+                <a:latin typeface="华文楷体" pitchFamily="2" charset="-122"/>
+                <a:ea typeface="华文楷体" pitchFamily="2" charset="-122"/>
+              </a:rPr>
+              <a:t>       </a:t>
+            </a:r>
+            <a:r>
+              <a:rPr lang="en-US" altLang="zh-CN" sz="1600" dirty="0" smtClean="0">
+                <a:solidFill>
+                  <a:srgbClr val="1629DA"/>
+                </a:solidFill>
+                <a:latin typeface="华文楷体" pitchFamily="2" charset="-122"/>
+                <a:ea typeface="华文楷体" pitchFamily="2" charset="-122"/>
+              </a:rPr>
+              <a:t>UV</a:t>
+            </a:r>
+            <a:r>
+              <a:rPr lang="zh-CN" altLang="en-US" sz="1600" dirty="0" smtClean="0">
+                <a:solidFill>
+                  <a:srgbClr val="1629DA"/>
+                </a:solidFill>
+                <a:latin typeface="华文楷体" pitchFamily="2" charset="-122"/>
+                <a:ea typeface="华文楷体" pitchFamily="2" charset="-122"/>
+              </a:rPr>
+              <a:t>，</a:t>
+            </a:r>
+            <a:r>
+              <a:rPr lang="en-US" altLang="zh-CN" sz="1600" dirty="0" smtClean="0">
+                <a:solidFill>
+                  <a:srgbClr val="1629DA"/>
+                </a:solidFill>
+                <a:latin typeface="华文楷体" pitchFamily="2" charset="-122"/>
+                <a:ea typeface="华文楷体" pitchFamily="2" charset="-122"/>
+              </a:rPr>
+              <a:t>PV</a:t>
+            </a:r>
+            <a:r>
+              <a:rPr lang="zh-CN" altLang="en-US" sz="1600" dirty="0" smtClean="0">
+                <a:solidFill>
+                  <a:srgbClr val="1629DA"/>
+                </a:solidFill>
+                <a:latin typeface="华文楷体" pitchFamily="2" charset="-122"/>
+                <a:ea typeface="华文楷体" pitchFamily="2" charset="-122"/>
+              </a:rPr>
+              <a:t>，新</a:t>
+            </a:r>
+            <a:r>
+              <a:rPr lang="en-US" altLang="zh-CN" sz="1600" dirty="0" smtClean="0">
+                <a:solidFill>
+                  <a:srgbClr val="1629DA"/>
+                </a:solidFill>
+                <a:latin typeface="华文楷体" pitchFamily="2" charset="-122"/>
+                <a:ea typeface="华文楷体" pitchFamily="2" charset="-122"/>
+              </a:rPr>
+              <a:t>UV</a:t>
+            </a:r>
+            <a:r>
+              <a:rPr lang="zh-CN" altLang="en-US" sz="1600" dirty="0" smtClean="0">
+                <a:solidFill>
+                  <a:srgbClr val="1629DA"/>
+                </a:solidFill>
+                <a:latin typeface="华文楷体" pitchFamily="2" charset="-122"/>
+                <a:ea typeface="华文楷体" pitchFamily="2" charset="-122"/>
+              </a:rPr>
+              <a:t>，在线人数，在线时长，跟踪类指标 </a:t>
+            </a:r>
+            <a:r>
+              <a:rPr lang="en-US" altLang="zh-CN" sz="1600" dirty="0" smtClean="0">
+                <a:solidFill>
+                  <a:srgbClr val="1629DA"/>
+                </a:solidFill>
+                <a:latin typeface="华文楷体" pitchFamily="2" charset="-122"/>
+                <a:ea typeface="华文楷体" pitchFamily="2" charset="-122"/>
+              </a:rPr>
+              <a:t>…</a:t>
+            </a:r>
+            <a:endParaRPr lang="en-US" altLang="zh-CN" sz="1600" dirty="0" smtClean="0">
+              <a:solidFill>
+                <a:srgbClr val="1629DA"/>
+              </a:solidFill>
+              <a:latin typeface="隶书" pitchFamily="49" charset="-122"/>
+              <a:ea typeface="隶书" pitchFamily="49" charset="-122"/>
+            </a:endParaRPr>
+          </a:p>
+          <a:p>
+            <a:pPr>
+              <a:spcBef>
+                <a:spcPts val="2400"/>
+              </a:spcBef>
+              <a:buFont typeface="Wingdings" pitchFamily="2" charset="2"/>
+              <a:buChar char="ü"/>
+            </a:pPr>
+            <a:r>
+              <a:rPr lang="zh-CN" altLang="en-US" dirty="0" smtClean="0">
+                <a:latin typeface="隶书" pitchFamily="49" charset="-122"/>
+                <a:ea typeface="隶书" pitchFamily="49" charset="-122"/>
+              </a:rPr>
+              <a:t>支持</a:t>
+            </a:r>
+            <a:r>
+              <a:rPr lang="en-US" altLang="zh-CN" dirty="0" smtClean="0">
+                <a:latin typeface="隶书" pitchFamily="49" charset="-122"/>
+                <a:ea typeface="隶书" pitchFamily="49" charset="-122"/>
+              </a:rPr>
+              <a:t>0</a:t>
+            </a:r>
+            <a:r>
+              <a:rPr lang="zh-CN" altLang="en-US" dirty="0" smtClean="0">
+                <a:latin typeface="隶书" pitchFamily="49" charset="-122"/>
+                <a:ea typeface="隶书" pitchFamily="49" charset="-122"/>
+              </a:rPr>
+              <a:t>误差去重、大表</a:t>
+            </a:r>
+            <a:r>
+              <a:rPr lang="en-US" altLang="zh-CN" dirty="0" smtClean="0">
+                <a:latin typeface="隶书" pitchFamily="49" charset="-122"/>
+                <a:ea typeface="隶书" pitchFamily="49" charset="-122"/>
+              </a:rPr>
+              <a:t>join</a:t>
+            </a:r>
+            <a:r>
+              <a:rPr lang="zh-CN" altLang="en-US" dirty="0" smtClean="0">
+                <a:latin typeface="隶书" pitchFamily="49" charset="-122"/>
+                <a:ea typeface="隶书" pitchFamily="49" charset="-122"/>
+              </a:rPr>
+              <a:t>和创建中间表</a:t>
+            </a:r>
+            <a:endParaRPr lang="en-US" altLang="zh-CN" dirty="0" smtClean="0">
+              <a:latin typeface="隶书" pitchFamily="49" charset="-122"/>
+              <a:ea typeface="隶书" pitchFamily="49" charset="-122"/>
+            </a:endParaRPr>
+          </a:p>
+          <a:p>
+            <a:pPr>
+              <a:spcBef>
+                <a:spcPts val="2400"/>
+              </a:spcBef>
+              <a:buNone/>
+            </a:pPr>
+            <a:r>
+              <a:rPr lang="en-US" altLang="zh-CN" sz="1600" dirty="0" smtClean="0">
+                <a:solidFill>
+                  <a:srgbClr val="1629DA"/>
+                </a:solidFill>
+                <a:latin typeface="华文楷体" pitchFamily="2" charset="-122"/>
+                <a:ea typeface="华文楷体" pitchFamily="2" charset="-122"/>
+              </a:rPr>
+              <a:t>	</a:t>
+            </a:r>
+            <a:r>
+              <a:rPr lang="zh-CN" altLang="en-US" sz="1600" dirty="0" smtClean="0">
+                <a:solidFill>
+                  <a:srgbClr val="1629DA"/>
+                </a:solidFill>
+                <a:latin typeface="华文楷体" pitchFamily="2" charset="-122"/>
+                <a:ea typeface="华文楷体" pitchFamily="2" charset="-122"/>
+              </a:rPr>
+              <a:t>项目代码：</a:t>
+            </a:r>
+            <a:r>
+              <a:rPr lang="en-US" altLang="zh-CN" dirty="0" smtClean="0">
+                <a:latin typeface="华文楷体" pitchFamily="2" charset="-122"/>
+                <a:ea typeface="华文楷体" pitchFamily="2" charset="-122"/>
+              </a:rPr>
+              <a:t> </a:t>
+            </a:r>
+            <a:r>
+              <a:rPr lang="en-US" altLang="zh-CN" sz="1600" dirty="0" smtClean="0">
+                <a:latin typeface="华文楷体" pitchFamily="2" charset="-122"/>
+                <a:ea typeface="华文楷体" pitchFamily="2" charset="-122"/>
+                <a:hlinkClick r:id="rId2"/>
+              </a:rPr>
+              <a:t>https://github.com/meteorchenwu/meteor</a:t>
+            </a:r>
+            <a:endParaRPr lang="zh-CN" altLang="en-US" sz="1600" dirty="0" smtClean="0">
+              <a:latin typeface="华文楷体" pitchFamily="2" charset="-122"/>
+              <a:ea typeface="华文楷体" pitchFamily="2" charset="-122"/>
             </a:endParaRPr>
           </a:p>
           <a:p>
@@ -9584,151 +9838,62 @@
               <a:ea typeface="隶书" pitchFamily="49" charset="-122"/>
             </a:endParaRPr>
           </a:p>
-          <a:p>
-            <a:pPr>
-              <a:buNone/>
-            </a:pPr>
-            <a:r>
-              <a:rPr lang="zh-CN" altLang="en-US" dirty="0" smtClean="0">
-                <a:latin typeface="隶书" pitchFamily="49" charset="-122"/>
-                <a:ea typeface="隶书" pitchFamily="49" charset="-122"/>
-              </a:rPr>
-              <a:t>离线：</a:t>
-            </a:r>
-            <a:r>
-              <a:rPr lang="en-US" altLang="zh-CN" dirty="0" err="1" smtClean="0">
-                <a:latin typeface="隶书" pitchFamily="49" charset="-122"/>
-                <a:ea typeface="隶书" pitchFamily="49" charset="-122"/>
-              </a:rPr>
-              <a:t>hadoop</a:t>
-            </a:r>
-            <a:r>
-              <a:rPr lang="en-US" altLang="zh-CN" dirty="0" smtClean="0">
-                <a:latin typeface="隶书" pitchFamily="49" charset="-122"/>
-                <a:ea typeface="隶书" pitchFamily="49" charset="-122"/>
-              </a:rPr>
-              <a:t> + hive</a:t>
-            </a:r>
-            <a:r>
-              <a:rPr lang="zh-CN" altLang="en-US" dirty="0" smtClean="0">
-                <a:latin typeface="隶书" pitchFamily="49" charset="-122"/>
-                <a:ea typeface="隶书" pitchFamily="49" charset="-122"/>
-              </a:rPr>
-              <a:t> </a:t>
-            </a:r>
-            <a:r>
-              <a:rPr lang="en-US" altLang="zh-CN" dirty="0" smtClean="0">
-                <a:latin typeface="隶书" pitchFamily="49" charset="-122"/>
-                <a:ea typeface="隶书" pitchFamily="49" charset="-122"/>
-              </a:rPr>
-              <a:t>-&gt; </a:t>
-            </a:r>
-            <a:r>
-              <a:rPr lang="zh-CN" altLang="en-US" dirty="0" smtClean="0">
-                <a:latin typeface="隶书" pitchFamily="49" charset="-122"/>
-                <a:ea typeface="隶书" pitchFamily="49" charset="-122"/>
-              </a:rPr>
-              <a:t>功能强大，时延高</a:t>
-            </a:r>
-            <a:endParaRPr lang="en-US" altLang="zh-CN" dirty="0" smtClean="0">
-              <a:latin typeface="隶书" pitchFamily="49" charset="-122"/>
-              <a:ea typeface="隶书" pitchFamily="49" charset="-122"/>
-            </a:endParaRPr>
-          </a:p>
-          <a:p>
-            <a:pPr>
-              <a:buNone/>
-            </a:pPr>
-            <a:endParaRPr lang="en-US" altLang="zh-CN" dirty="0" smtClean="0">
-              <a:latin typeface="隶书" pitchFamily="49" charset="-122"/>
-              <a:ea typeface="隶书" pitchFamily="49" charset="-122"/>
-            </a:endParaRPr>
-          </a:p>
-          <a:p>
-            <a:pPr>
-              <a:buNone/>
-            </a:pPr>
-            <a:r>
-              <a:rPr lang="zh-CN" altLang="en-US" dirty="0" smtClean="0">
-                <a:latin typeface="隶书" pitchFamily="49" charset="-122"/>
-                <a:ea typeface="隶书" pitchFamily="49" charset="-122"/>
-              </a:rPr>
-              <a:t>实时：</a:t>
-            </a:r>
-            <a:r>
-              <a:rPr lang="en-US" altLang="zh-CN" dirty="0" smtClean="0">
-                <a:latin typeface="隶书" pitchFamily="49" charset="-122"/>
-                <a:ea typeface="隶书" pitchFamily="49" charset="-122"/>
-              </a:rPr>
-              <a:t>storm</a:t>
-            </a:r>
-            <a:r>
-              <a:rPr lang="zh-CN" altLang="en-US" dirty="0" smtClean="0">
-                <a:latin typeface="隶书" pitchFamily="49" charset="-122"/>
-                <a:ea typeface="隶书" pitchFamily="49" charset="-122"/>
-              </a:rPr>
-              <a:t> </a:t>
-            </a:r>
-            <a:r>
-              <a:rPr lang="en-US" altLang="zh-CN" dirty="0" smtClean="0">
-                <a:latin typeface="隶书" pitchFamily="49" charset="-122"/>
-                <a:ea typeface="隶书" pitchFamily="49" charset="-122"/>
-              </a:rPr>
-              <a:t>-&gt; </a:t>
-            </a:r>
-            <a:r>
-              <a:rPr lang="zh-CN" altLang="en-US" dirty="0" smtClean="0">
-                <a:latin typeface="隶书" pitchFamily="49" charset="-122"/>
-                <a:ea typeface="隶书" pitchFamily="49" charset="-122"/>
-              </a:rPr>
-              <a:t>实时性高，功能及易用性受限</a:t>
-            </a:r>
-            <a:endParaRPr lang="en-US" altLang="zh-CN" dirty="0" smtClean="0">
-              <a:latin typeface="隶书" pitchFamily="49" charset="-122"/>
-              <a:ea typeface="隶书" pitchFamily="49" charset="-122"/>
-            </a:endParaRPr>
-          </a:p>
-          <a:p>
-            <a:pPr>
-              <a:buNone/>
-            </a:pPr>
-            <a:endParaRPr lang="en-US" altLang="zh-CN" dirty="0" smtClean="0">
-              <a:latin typeface="隶书" pitchFamily="49" charset="-122"/>
-              <a:ea typeface="隶书" pitchFamily="49" charset="-122"/>
-            </a:endParaRPr>
-          </a:p>
-          <a:p>
-            <a:pPr>
-              <a:buNone/>
-            </a:pPr>
-            <a:endParaRPr lang="en-US" altLang="zh-CN" dirty="0" smtClean="0">
-              <a:latin typeface="隶书" pitchFamily="49" charset="-122"/>
-              <a:ea typeface="隶书" pitchFamily="49" charset="-122"/>
-            </a:endParaRPr>
-          </a:p>
-          <a:p>
-            <a:pPr>
-              <a:buNone/>
-            </a:pPr>
-            <a:endParaRPr lang="en-US" altLang="zh-CN" dirty="0" smtClean="0">
-              <a:latin typeface="隶书" pitchFamily="49" charset="-122"/>
-              <a:ea typeface="隶书" pitchFamily="49" charset="-122"/>
-            </a:endParaRPr>
-          </a:p>
-        </p:txBody>
-      </p:sp>
-      <p:sp>
-        <p:nvSpPr>
-          <p:cNvPr id="5" name="右弧形箭头 4"/>
+        </p:txBody>
+      </p:sp>
+      <p:sp>
+        <p:nvSpPr>
+          <p:cNvPr id="15" name="燕尾形箭头 14"/>
           <p:cNvSpPr/>
           <p:nvPr/>
         </p:nvSpPr>
         <p:spPr>
           <a:xfrm>
-            <a:off x="6864816" y="3068960"/>
-            <a:ext cx="731520" cy="1944216"/>
-          </a:xfrm>
-          <a:prstGeom prst="curvedLeftArrow">
+            <a:off x="5076056" y="1412776"/>
+            <a:ext cx="1872208" cy="1281336"/>
+          </a:xfrm>
+          <a:prstGeom prst="notchedRightArrow">
+            <a:avLst/>
+          </a:prstGeom>
+        </p:spPr>
+        <p:style>
+          <a:lnRef idx="1">
+            <a:schemeClr val="accent4"/>
+          </a:lnRef>
+          <a:fillRef idx="2">
+            <a:schemeClr val="accent4"/>
+          </a:fillRef>
+          <a:effectRef idx="1">
+            <a:schemeClr val="accent4"/>
+          </a:effectRef>
+          <a:fontRef idx="minor">
+            <a:schemeClr val="dk1"/>
+          </a:fontRef>
+        </p:style>
+        <p:txBody>
+          <a:bodyPr rtlCol="0" anchor="ctr"/>
+          <a:lstStyle/>
+          <a:p>
+            <a:pPr algn="ctr"/>
+            <a:r>
+              <a:rPr lang="zh-CN" altLang="en-US" dirty="0" smtClean="0"/>
+              <a:t>统计结果</a:t>
+            </a:r>
+            <a:endParaRPr lang="zh-CN" altLang="en-US" dirty="0"/>
+          </a:p>
+        </p:txBody>
+      </p:sp>
+      <p:sp>
+        <p:nvSpPr>
+          <p:cNvPr id="16" name="流程图: 联系 15"/>
+          <p:cNvSpPr/>
+          <p:nvPr/>
+        </p:nvSpPr>
+        <p:spPr>
+          <a:xfrm>
+            <a:off x="2915816" y="1124744"/>
+            <a:ext cx="1944216" cy="1872208"/>
+          </a:xfrm>
+          <a:prstGeom prst="flowChartConnector">
             <a:avLst/>
           </a:prstGeom>
         </p:spPr>
@@ -9751,38 +9916,42 @@
           <a:lstStyle/>
           <a:p>
             <a:pPr algn="ctr"/>
-            <a:endParaRPr lang="zh-CN" altLang="en-US">
-              <a:solidFill>
-                <a:schemeClr val="tx1"/>
-              </a:solidFill>
-            </a:endParaRPr>
-          </a:p>
-        </p:txBody>
-      </p:sp>
-      <p:sp>
-        <p:nvSpPr>
-          <p:cNvPr id="6" name="流程图: 可选过程 5"/>
+            <a:r>
+              <a:rPr lang="zh-CN" altLang="en-US" dirty="0" smtClean="0"/>
+              <a:t>分批运算</a:t>
+            </a:r>
+            <a:r>
+              <a:rPr lang="en-US" altLang="zh-CN" dirty="0" err="1" smtClean="0"/>
+              <a:t>sql</a:t>
+            </a:r>
+            <a:endParaRPr lang="zh-CN" altLang="en-US" dirty="0"/>
+          </a:p>
+        </p:txBody>
+      </p:sp>
+      <p:sp>
+        <p:nvSpPr>
+          <p:cNvPr id="17" name="虚尾箭头 16"/>
           <p:cNvSpPr/>
           <p:nvPr/>
         </p:nvSpPr>
         <p:spPr>
           <a:xfrm>
-            <a:off x="539552" y="4365104"/>
-            <a:ext cx="5472608" cy="1080120"/>
-          </a:xfrm>
-          <a:prstGeom prst="flowChartAlternateProcess">
+            <a:off x="755576" y="1412776"/>
+            <a:ext cx="2016224" cy="1252736"/>
+          </a:xfrm>
+          <a:prstGeom prst="stripedRightArrow">
             <a:avLst/>
           </a:prstGeom>
         </p:spPr>
         <p:style>
           <a:lnRef idx="1">
-            <a:schemeClr val="accent2"/>
+            <a:schemeClr val="accent6"/>
           </a:lnRef>
           <a:fillRef idx="2">
-            <a:schemeClr val="accent2"/>
+            <a:schemeClr val="accent6"/>
           </a:fillRef>
           <a:effectRef idx="1">
-            <a:schemeClr val="accent2"/>
+            <a:schemeClr val="accent6"/>
           </a:effectRef>
           <a:fontRef idx="minor">
             <a:schemeClr val="dk1"/>
@@ -9792,71 +9961,12 @@
           <a:bodyPr rtlCol="0" anchor="ctr"/>
           <a:lstStyle/>
           <a:p>
-            <a:r>
-              <a:rPr lang="zh-CN" altLang="en-US" sz="2400" dirty="0" smtClean="0">
-                <a:latin typeface="隶书" pitchFamily="49" charset="-122"/>
-                <a:ea typeface="隶书" pitchFamily="49" charset="-122"/>
-              </a:rPr>
-              <a:t>流星实时数据开发平台：</a:t>
-            </a:r>
-            <a:endParaRPr lang="en-US" altLang="zh-CN" sz="2400" dirty="0" smtClean="0">
-              <a:latin typeface="隶书" pitchFamily="49" charset="-122"/>
-              <a:ea typeface="隶书" pitchFamily="49" charset="-122"/>
-            </a:endParaRPr>
-          </a:p>
-          <a:p>
-            <a:r>
-              <a:rPr lang="zh-CN" altLang="en-US" sz="2400" dirty="0" smtClean="0">
-                <a:latin typeface="隶书" pitchFamily="49" charset="-122"/>
-                <a:ea typeface="隶书" pitchFamily="49" charset="-122"/>
-              </a:rPr>
-              <a:t>功能及易用性强大，分钟级时延</a:t>
-            </a:r>
-            <a:endParaRPr lang="en-US" altLang="zh-CN" sz="2400" dirty="0" smtClean="0">
-              <a:latin typeface="隶书" pitchFamily="49" charset="-122"/>
-              <a:ea typeface="隶书" pitchFamily="49" charset="-122"/>
-            </a:endParaRPr>
-          </a:p>
-          <a:p>
             <a:pPr algn="ctr"/>
+            <a:r>
+              <a:rPr lang="zh-CN" altLang="en-US" dirty="0" smtClean="0"/>
+              <a:t>流数据</a:t>
+            </a:r>
             <a:endParaRPr lang="zh-CN" altLang="en-US" dirty="0"/>
-          </a:p>
-        </p:txBody>
-      </p:sp>
-      <p:sp>
-        <p:nvSpPr>
-          <p:cNvPr id="7" name="TextBox 6"/>
-          <p:cNvSpPr txBox="1"/>
-          <p:nvPr/>
-        </p:nvSpPr>
-        <p:spPr>
-          <a:xfrm>
-            <a:off x="605165" y="5805264"/>
-            <a:ext cx="5057795" cy="369332"/>
-          </a:xfrm>
-          <a:prstGeom prst="rect">
-            <a:avLst/>
-          </a:prstGeom>
-          <a:noFill/>
-          <a:ln>
-            <a:noFill/>
-          </a:ln>
-        </p:spPr>
-        <p:txBody>
-          <a:bodyPr wrap="none" rtlCol="0">
-            <a:spAutoFit/>
-          </a:bodyPr>
-          <a:lstStyle/>
-          <a:p>
-            <a:r>
-              <a:rPr lang="zh-CN" altLang="en-US" dirty="0" smtClean="0"/>
-              <a:t>开源：</a:t>
-            </a:r>
-            <a:r>
-              <a:rPr lang="en-US" altLang="zh-CN" dirty="0" smtClean="0"/>
-              <a:t>https://github.com/meteorchenwu/meteor</a:t>
-            </a:r>
-            <a:endParaRPr lang="zh-CN" altLang="en-US" dirty="0" smtClean="0"/>
           </a:p>
         </p:txBody>
       </p:sp>
@@ -9910,7 +10020,7 @@
           <a:p>
             <a:r>
               <a:rPr lang="zh-CN" altLang="en-US" dirty="0" smtClean="0"/>
-              <a:t>特点</a:t>
+              <a:t>背景</a:t>
             </a:r>
             <a:endParaRPr lang="zh-CN" altLang="en-US" dirty="0"/>
           </a:p>
@@ -9918,16 +10028,188 @@
       </p:sp>
       <p:sp>
         <p:nvSpPr>
-          <p:cNvPr id="5" name="圆角矩形 4"/>
+          <p:cNvPr id="10" name="内容占位符 9"/>
+          <p:cNvSpPr>
+            <a:spLocks noGrp="1"/>
+          </p:cNvSpPr>
+          <p:nvPr>
+            <p:ph idx="1"/>
+          </p:nvPr>
+        </p:nvSpPr>
+        <p:spPr/>
+        <p:txBody>
+          <a:bodyPr/>
+          <a:lstStyle/>
+          <a:p>
+            <a:pPr>
+              <a:buNone/>
+            </a:pPr>
+            <a:r>
+              <a:rPr lang="zh-CN" altLang="en-US" dirty="0" smtClean="0">
+                <a:latin typeface="隶书" pitchFamily="49" charset="-122"/>
+                <a:ea typeface="隶书" pitchFamily="49" charset="-122"/>
+              </a:rPr>
+              <a:t>传统解决方案：</a:t>
+            </a:r>
+            <a:endParaRPr lang="en-US" altLang="zh-CN" dirty="0" smtClean="0">
+              <a:latin typeface="隶书" pitchFamily="49" charset="-122"/>
+              <a:ea typeface="隶书" pitchFamily="49" charset="-122"/>
+            </a:endParaRPr>
+          </a:p>
+          <a:p>
+            <a:pPr>
+              <a:buNone/>
+            </a:pPr>
+            <a:endParaRPr lang="en-US" altLang="zh-CN" dirty="0" smtClean="0">
+              <a:latin typeface="隶书" pitchFamily="49" charset="-122"/>
+              <a:ea typeface="隶书" pitchFamily="49" charset="-122"/>
+            </a:endParaRPr>
+          </a:p>
+          <a:p>
+            <a:pPr>
+              <a:buNone/>
+            </a:pPr>
+            <a:r>
+              <a:rPr lang="zh-CN" altLang="en-US" dirty="0" smtClean="0">
+                <a:latin typeface="隶书" pitchFamily="49" charset="-122"/>
+                <a:ea typeface="隶书" pitchFamily="49" charset="-122"/>
+              </a:rPr>
+              <a:t>离线：</a:t>
+            </a:r>
+            <a:r>
+              <a:rPr lang="en-US" altLang="zh-CN" dirty="0" err="1" smtClean="0">
+                <a:latin typeface="隶书" pitchFamily="49" charset="-122"/>
+                <a:ea typeface="隶书" pitchFamily="49" charset="-122"/>
+              </a:rPr>
+              <a:t>hadoop</a:t>
+            </a:r>
+            <a:r>
+              <a:rPr lang="en-US" altLang="zh-CN" dirty="0" smtClean="0">
+                <a:latin typeface="隶书" pitchFamily="49" charset="-122"/>
+                <a:ea typeface="隶书" pitchFamily="49" charset="-122"/>
+              </a:rPr>
+              <a:t> + hive</a:t>
+            </a:r>
+            <a:r>
+              <a:rPr lang="zh-CN" altLang="en-US" dirty="0" smtClean="0">
+                <a:latin typeface="隶书" pitchFamily="49" charset="-122"/>
+                <a:ea typeface="隶书" pitchFamily="49" charset="-122"/>
+              </a:rPr>
+              <a:t> </a:t>
+            </a:r>
+            <a:r>
+              <a:rPr lang="en-US" altLang="zh-CN" dirty="0" smtClean="0">
+                <a:latin typeface="隶书" pitchFamily="49" charset="-122"/>
+                <a:ea typeface="隶书" pitchFamily="49" charset="-122"/>
+              </a:rPr>
+              <a:t>-&gt; </a:t>
+            </a:r>
+            <a:r>
+              <a:rPr lang="zh-CN" altLang="en-US" dirty="0" smtClean="0">
+                <a:latin typeface="隶书" pitchFamily="49" charset="-122"/>
+                <a:ea typeface="隶书" pitchFamily="49" charset="-122"/>
+              </a:rPr>
+              <a:t>功能强大，易用，时延高</a:t>
+            </a:r>
+            <a:endParaRPr lang="en-US" altLang="zh-CN" dirty="0" smtClean="0">
+              <a:latin typeface="隶书" pitchFamily="49" charset="-122"/>
+              <a:ea typeface="隶书" pitchFamily="49" charset="-122"/>
+            </a:endParaRPr>
+          </a:p>
+          <a:p>
+            <a:pPr>
+              <a:buNone/>
+            </a:pPr>
+            <a:endParaRPr lang="en-US" altLang="zh-CN" dirty="0" smtClean="0">
+              <a:latin typeface="隶书" pitchFamily="49" charset="-122"/>
+              <a:ea typeface="隶书" pitchFamily="49" charset="-122"/>
+            </a:endParaRPr>
+          </a:p>
+          <a:p>
+            <a:pPr>
+              <a:buNone/>
+            </a:pPr>
+            <a:r>
+              <a:rPr lang="zh-CN" altLang="en-US" dirty="0" smtClean="0">
+                <a:latin typeface="隶书" pitchFamily="49" charset="-122"/>
+                <a:ea typeface="隶书" pitchFamily="49" charset="-122"/>
+              </a:rPr>
+              <a:t>实时：</a:t>
+            </a:r>
+            <a:r>
+              <a:rPr lang="en-US" altLang="zh-CN" dirty="0" smtClean="0">
+                <a:latin typeface="隶书" pitchFamily="49" charset="-122"/>
+                <a:ea typeface="隶书" pitchFamily="49" charset="-122"/>
+              </a:rPr>
+              <a:t>storm</a:t>
+            </a:r>
+            <a:r>
+              <a:rPr lang="zh-CN" altLang="en-US" dirty="0" smtClean="0">
+                <a:latin typeface="隶书" pitchFamily="49" charset="-122"/>
+                <a:ea typeface="隶书" pitchFamily="49" charset="-122"/>
+              </a:rPr>
+              <a:t> </a:t>
+            </a:r>
+            <a:r>
+              <a:rPr lang="en-US" altLang="zh-CN" dirty="0" smtClean="0">
+                <a:latin typeface="隶书" pitchFamily="49" charset="-122"/>
+                <a:ea typeface="隶书" pitchFamily="49" charset="-122"/>
+              </a:rPr>
+              <a:t>-&gt; </a:t>
+            </a:r>
+            <a:r>
+              <a:rPr lang="zh-CN" altLang="en-US" dirty="0" smtClean="0">
+                <a:latin typeface="隶书" pitchFamily="49" charset="-122"/>
+                <a:ea typeface="隶书" pitchFamily="49" charset="-122"/>
+              </a:rPr>
+              <a:t>实时性高，功能受限</a:t>
+            </a:r>
+            <a:endParaRPr lang="en-US" altLang="zh-CN" dirty="0" smtClean="0">
+              <a:latin typeface="隶书" pitchFamily="49" charset="-122"/>
+              <a:ea typeface="隶书" pitchFamily="49" charset="-122"/>
+            </a:endParaRPr>
+          </a:p>
+          <a:p>
+            <a:pPr>
+              <a:buNone/>
+            </a:pPr>
+            <a:endParaRPr lang="en-US" altLang="zh-CN" dirty="0" smtClean="0">
+              <a:latin typeface="隶书" pitchFamily="49" charset="-122"/>
+              <a:ea typeface="隶书" pitchFamily="49" charset="-122"/>
+            </a:endParaRPr>
+          </a:p>
+          <a:p>
+            <a:pPr>
+              <a:buNone/>
+            </a:pPr>
+            <a:endParaRPr lang="en-US" altLang="zh-CN" dirty="0" smtClean="0">
+              <a:latin typeface="隶书" pitchFamily="49" charset="-122"/>
+              <a:ea typeface="隶书" pitchFamily="49" charset="-122"/>
+            </a:endParaRPr>
+          </a:p>
+          <a:p>
+            <a:pPr>
+              <a:buNone/>
+            </a:pPr>
+            <a:endParaRPr lang="en-US" altLang="zh-CN" dirty="0" smtClean="0">
+              <a:latin typeface="隶书" pitchFamily="49" charset="-122"/>
+              <a:ea typeface="隶书" pitchFamily="49" charset="-122"/>
+            </a:endParaRPr>
+          </a:p>
+        </p:txBody>
+      </p:sp>
+      <p:sp>
+        <p:nvSpPr>
+          <p:cNvPr id="5" name="右弧形箭头 4"/>
           <p:cNvSpPr/>
           <p:nvPr/>
         </p:nvSpPr>
         <p:spPr>
           <a:xfrm>
-            <a:off x="457200" y="1397000"/>
-            <a:ext cx="4618856" cy="807864"/>
-          </a:xfrm>
-          <a:prstGeom prst="roundRect">
+            <a:off x="7812360" y="3212976"/>
+            <a:ext cx="731520" cy="1656184"/>
+          </a:xfrm>
+          <a:prstGeom prst="curvedLeftArrow">
             <a:avLst/>
           </a:prstGeom>
         </p:spPr>
@@ -9949,37 +10231,27 @@
           <a:bodyPr rtlCol="0" anchor="ctr"/>
           <a:lstStyle/>
           <a:p>
-            <a:pPr>
-              <a:buFont typeface="Wingdings" pitchFamily="2" charset="2"/>
-              <a:buChar char="Ø"/>
-            </a:pPr>
-            <a:r>
-              <a:rPr lang="zh-CN" altLang="en-US" dirty="0" smtClean="0"/>
-              <a:t> 流式计算平台，一般</a:t>
-            </a:r>
-            <a:r>
-              <a:rPr lang="en-US" altLang="zh-CN" dirty="0" smtClean="0"/>
-              <a:t>2</a:t>
-            </a:r>
-            <a:r>
-              <a:rPr lang="zh-CN" altLang="en-US" dirty="0" smtClean="0"/>
-              <a:t>分钟时延</a:t>
-            </a:r>
-          </a:p>
-        </p:txBody>
-      </p:sp>
-      <p:sp>
-        <p:nvSpPr>
-          <p:cNvPr id="6" name="圆角矩形 5"/>
+            <a:pPr algn="ctr"/>
+            <a:endParaRPr lang="zh-CN" altLang="en-US">
+              <a:solidFill>
+                <a:schemeClr val="tx1"/>
+              </a:solidFill>
+            </a:endParaRPr>
+          </a:p>
+        </p:txBody>
+      </p:sp>
+      <p:sp>
+        <p:nvSpPr>
+          <p:cNvPr id="6" name="流程图: 可选过程 5"/>
           <p:cNvSpPr/>
           <p:nvPr/>
         </p:nvSpPr>
         <p:spPr>
           <a:xfrm>
-            <a:off x="457200" y="4149080"/>
-            <a:ext cx="4618856" cy="807864"/>
-          </a:xfrm>
-          <a:prstGeom prst="roundRect">
+            <a:off x="467544" y="4365104"/>
+            <a:ext cx="7056784" cy="792088"/>
+          </a:xfrm>
+          <a:prstGeom prst="flowChartAlternateProcess">
             <a:avLst/>
           </a:prstGeom>
         </p:spPr>
@@ -10001,139 +10273,49 @@
           <a:bodyPr rtlCol="0" anchor="ctr"/>
           <a:lstStyle/>
           <a:p>
-            <a:pPr>
-              <a:buFont typeface="Wingdings" pitchFamily="2" charset="2"/>
-              <a:buChar char="Ø"/>
-            </a:pPr>
-            <a:r>
-              <a:rPr lang="zh-CN" altLang="en-US" dirty="0" smtClean="0"/>
-              <a:t> 支持</a:t>
-            </a:r>
-            <a:r>
-              <a:rPr lang="en-US" altLang="zh-CN" dirty="0" smtClean="0"/>
-              <a:t>0</a:t>
-            </a:r>
-            <a:r>
-              <a:rPr lang="zh-CN" altLang="en-US" dirty="0" smtClean="0"/>
-              <a:t>误差去重、大表</a:t>
-            </a:r>
-            <a:r>
-              <a:rPr lang="en-US" altLang="zh-CN" dirty="0" smtClean="0"/>
-              <a:t>join</a:t>
-            </a:r>
-            <a:r>
-              <a:rPr lang="zh-CN" altLang="en-US" dirty="0" smtClean="0"/>
-              <a:t>和创建中间表</a:t>
-            </a:r>
-          </a:p>
-        </p:txBody>
-      </p:sp>
-      <p:sp>
-        <p:nvSpPr>
-          <p:cNvPr id="7" name="圆角矩形 6"/>
-          <p:cNvSpPr/>
-          <p:nvPr/>
-        </p:nvSpPr>
-        <p:spPr>
-          <a:xfrm>
-            <a:off x="467544" y="2780928"/>
-            <a:ext cx="4608512" cy="807864"/>
-          </a:xfrm>
-          <a:prstGeom prst="roundRect">
-            <a:avLst/>
-          </a:prstGeom>
-        </p:spPr>
-        <p:style>
-          <a:lnRef idx="1">
-            <a:schemeClr val="accent2"/>
-          </a:lnRef>
-          <a:fillRef idx="2">
-            <a:schemeClr val="accent2"/>
-          </a:fillRef>
-          <a:effectRef idx="1">
-            <a:schemeClr val="accent2"/>
-          </a:effectRef>
-          <a:fontRef idx="minor">
-            <a:schemeClr val="dk1"/>
-          </a:fontRef>
-        </p:style>
-        <p:txBody>
-          <a:bodyPr rtlCol="0" anchor="ctr"/>
-          <a:lstStyle/>
-          <a:p>
-            <a:pPr>
-              <a:buFont typeface="Wingdings" pitchFamily="2" charset="2"/>
-              <a:buChar char="Ø"/>
-            </a:pPr>
-            <a:r>
-              <a:rPr lang="zh-CN" altLang="en-US" dirty="0" smtClean="0"/>
-              <a:t> 基于</a:t>
-            </a:r>
-            <a:r>
-              <a:rPr lang="en-US" altLang="zh-CN" dirty="0" smtClean="0"/>
-              <a:t>hive </a:t>
-            </a:r>
-            <a:r>
-              <a:rPr lang="en-US" altLang="zh-CN" dirty="0" err="1" smtClean="0"/>
-              <a:t>sql</a:t>
-            </a:r>
-            <a:r>
-              <a:rPr lang="zh-CN" altLang="en-US" dirty="0" smtClean="0"/>
-              <a:t>，能计算各种复杂业务</a:t>
-            </a:r>
-            <a:endParaRPr lang="en-US" altLang="zh-CN" dirty="0" smtClean="0"/>
-          </a:p>
-          <a:p>
-            <a:r>
-              <a:rPr lang="en-US" altLang="zh-CN" dirty="0" smtClean="0"/>
-              <a:t>    </a:t>
-            </a:r>
-            <a:r>
-              <a:rPr lang="en-US" altLang="zh-CN" sz="1400" dirty="0" smtClean="0">
-                <a:latin typeface="宋体" pitchFamily="2" charset="-122"/>
-                <a:ea typeface="宋体" pitchFamily="2" charset="-122"/>
+            <a:r>
+              <a:rPr lang="zh-CN" altLang="en-US" sz="2400" dirty="0" smtClean="0">
+                <a:latin typeface="隶书" pitchFamily="49" charset="-122"/>
+                <a:ea typeface="隶书" pitchFamily="49" charset="-122"/>
               </a:rPr>
-              <a:t>UV</a:t>
-            </a:r>
-            <a:r>
-              <a:rPr lang="zh-CN" altLang="en-US" sz="1400" dirty="0" smtClean="0">
-                <a:latin typeface="宋体" pitchFamily="2" charset="-122"/>
-                <a:ea typeface="宋体" pitchFamily="2" charset="-122"/>
+              <a:t>近实时：</a:t>
+            </a:r>
+            <a:r>
+              <a:rPr lang="en-US" altLang="zh-CN" sz="2400" dirty="0" smtClean="0">
+                <a:latin typeface="隶书" pitchFamily="49" charset="-122"/>
+                <a:ea typeface="隶书" pitchFamily="49" charset="-122"/>
               </a:rPr>
-              <a:t>，</a:t>
-            </a:r>
-            <a:r>
-              <a:rPr lang="en-US" altLang="zh-CN" sz="1400" dirty="0" smtClean="0">
-                <a:latin typeface="宋体" pitchFamily="2" charset="-122"/>
-                <a:ea typeface="宋体" pitchFamily="2" charset="-122"/>
+              <a:t>s</a:t>
+            </a:r>
+            <a:r>
+              <a:rPr lang="en-US" altLang="zh-CN" sz="2400" dirty="0" smtClean="0">
+                <a:latin typeface="隶书" pitchFamily="49" charset="-122"/>
+                <a:ea typeface="隶书" pitchFamily="49" charset="-122"/>
               </a:rPr>
-              <a:t>PV</a:t>
-            </a:r>
-            <a:r>
-              <a:rPr lang="zh-CN" altLang="en-US" sz="1400" dirty="0" smtClean="0">
-                <a:latin typeface="宋体" pitchFamily="2" charset="-122"/>
-                <a:ea typeface="宋体" pitchFamily="2" charset="-122"/>
+              <a:t>park -&gt; </a:t>
+            </a:r>
+            <a:r>
+              <a:rPr lang="zh-CN" altLang="en-US" sz="2400" dirty="0" smtClean="0">
+                <a:latin typeface="隶书" pitchFamily="49" charset="-122"/>
+                <a:ea typeface="隶书" pitchFamily="49" charset="-122"/>
               </a:rPr>
-              <a:t>，新</a:t>
-            </a:r>
-            <a:r>
-              <a:rPr lang="en-US" altLang="zh-CN" sz="1400" dirty="0" smtClean="0">
-                <a:latin typeface="宋体" pitchFamily="2" charset="-122"/>
-                <a:ea typeface="宋体" pitchFamily="2" charset="-122"/>
+              <a:t>功能</a:t>
+            </a:r>
+            <a:r>
+              <a:rPr lang="zh-CN" altLang="en-US" sz="2400" dirty="0" smtClean="0">
+                <a:latin typeface="隶书" pitchFamily="49" charset="-122"/>
+                <a:ea typeface="隶书" pitchFamily="49" charset="-122"/>
               </a:rPr>
-              <a:t>UV</a:t>
-            </a:r>
-            <a:r>
-              <a:rPr lang="zh-CN" altLang="en-US" sz="1400" dirty="0" smtClean="0">
-                <a:latin typeface="宋体" pitchFamily="2" charset="-122"/>
-                <a:ea typeface="宋体" pitchFamily="2" charset="-122"/>
-              </a:rPr>
-              <a:t>，跟踪类指标，在线时长、在线人数</a:t>
-            </a:r>
-            <a:endParaRPr lang="en-US" altLang="zh-CN" sz="1400" dirty="0" smtClean="0">
-              <a:latin typeface="宋体" pitchFamily="2" charset="-122"/>
-              <a:ea typeface="宋体" pitchFamily="2" charset="-122"/>
+              <a:t>强大，易用，分钟级时延</a:t>
+            </a:r>
+            <a:endParaRPr lang="en-US" altLang="zh-CN" sz="2400" dirty="0" smtClean="0">
+              <a:latin typeface="隶书" pitchFamily="49" charset="-122"/>
+              <a:ea typeface="隶书" pitchFamily="49" charset="-122"/>
             </a:endParaRPr>
+          </a:p>
+          <a:p>
+            <a:pPr algn="ctr"/>
+            <a:endParaRPr lang="zh-CN" altLang="en-US" dirty="0"/>
           </a:p>
         </p:txBody>
       </p:sp>
@@ -11458,8 +11640,8 @@
         </p:nvSpPr>
         <p:spPr>
           <a:xfrm>
-            <a:off x="395536" y="4491117"/>
-            <a:ext cx="3456384" cy="954107"/>
+            <a:off x="1874145" y="4365104"/>
+            <a:ext cx="1689743" cy="1600438"/>
           </a:xfrm>
           <a:prstGeom prst="rect">
             <a:avLst/>
@@ -11476,46 +11658,12 @@
           <a:lstStyle/>
           <a:p>
             <a:r>
-              <a:rPr lang="zh-CN" altLang="en-US" sz="1400" dirty="0" smtClean="0"/>
-              <a:t>通过</a:t>
-            </a:r>
-            <a:r>
               <a:rPr lang="en-US" altLang="zh-CN" sz="1400" dirty="0" err="1" smtClean="0"/>
               <a:t>sql</a:t>
             </a:r>
             <a:r>
               <a:rPr lang="zh-CN" altLang="en-US" sz="1400" dirty="0" smtClean="0"/>
-              <a:t>自定义函数</a:t>
-            </a:r>
-            <a:r>
-              <a:rPr lang="en-US" altLang="zh-CN" sz="1400" dirty="0" smtClean="0"/>
-              <a:t>,</a:t>
-            </a:r>
-            <a:r>
-              <a:rPr lang="zh-CN" altLang="en-US" sz="1400" dirty="0" smtClean="0"/>
-              <a:t>利用</a:t>
-            </a:r>
-            <a:r>
-              <a:rPr lang="en-US" altLang="zh-CN" sz="1400" dirty="0" err="1" smtClean="0"/>
-              <a:t>redis</a:t>
-            </a:r>
-            <a:r>
-              <a:rPr lang="zh-CN" altLang="en-US" sz="1400" dirty="0" smtClean="0"/>
-              <a:t>或</a:t>
-            </a:r>
-            <a:r>
-              <a:rPr lang="en-US" altLang="zh-CN" sz="1400" dirty="0" err="1" smtClean="0"/>
-              <a:t>cassandra</a:t>
-            </a:r>
-            <a:r>
-              <a:rPr lang="en-US" altLang="zh-CN" sz="1400" dirty="0" smtClean="0"/>
-              <a:t>,</a:t>
-            </a:r>
-          </a:p>
-          <a:p>
-            <a:r>
-              <a:rPr lang="zh-CN" altLang="en-US" sz="1400" dirty="0" smtClean="0"/>
-              <a:t>进行全局累计计算</a:t>
+              <a:t>函数：</a:t>
             </a:r>
             <a:endParaRPr lang="en-US" altLang="zh-CN" sz="1400" dirty="0" smtClean="0"/>
           </a:p>
@@ -11526,24 +11674,31 @@
             </a:r>
             <a:r>
               <a:rPr lang="en-US" altLang="zh-CN" sz="1400" dirty="0" smtClean="0"/>
-              <a:t>, </a:t>
-            </a:r>
+              <a:t> </a:t>
+            </a:r>
+          </a:p>
+          <a:p>
+            <a:r>
+              <a:rPr lang="en-US" altLang="zh-CN" sz="1400" dirty="0" err="1" smtClean="0"/>
+              <a:t>c_distinct</a:t>
+            </a:r>
+            <a:endParaRPr lang="en-US" altLang="zh-CN" sz="1400" dirty="0" smtClean="0"/>
+          </a:p>
+          <a:p>
             <a:r>
               <a:rPr lang="en-US" altLang="zh-CN" sz="1400" dirty="0" err="1" smtClean="0"/>
               <a:t>c_sum</a:t>
             </a:r>
-            <a:r>
-              <a:rPr lang="en-US" altLang="zh-CN" sz="1400" dirty="0" smtClean="0"/>
-              <a:t>, </a:t>
-            </a:r>
+            <a:endParaRPr lang="en-US" altLang="zh-CN" sz="1400" dirty="0" smtClean="0"/>
+          </a:p>
+          <a:p>
             <a:r>
               <a:rPr lang="en-US" altLang="zh-CN" sz="1400" dirty="0" err="1" smtClean="0"/>
               <a:t>c_max</a:t>
             </a:r>
-            <a:r>
-              <a:rPr lang="en-US" altLang="zh-CN" sz="1400" dirty="0" smtClean="0"/>
-              <a:t>, </a:t>
-            </a:r>
+            <a:endParaRPr lang="en-US" altLang="zh-CN" sz="1400" dirty="0" smtClean="0"/>
+          </a:p>
+          <a:p>
             <a:r>
               <a:rPr lang="en-US" altLang="zh-CN" sz="1400" dirty="0" err="1" smtClean="0"/>
               <a:t>c_min</a:t>
@@ -11551,14 +11706,6 @@
             <a:endParaRPr lang="en-US" altLang="zh-CN" sz="1400" dirty="0" smtClean="0"/>
           </a:p>
           <a:p>
-            <a:r>
-              <a:rPr lang="en-US" altLang="zh-CN" sz="1400" dirty="0" err="1" smtClean="0"/>
-              <a:t>c_distinct</a:t>
-            </a:r>
-            <a:r>
-              <a:rPr lang="en-US" altLang="zh-CN" sz="1400" dirty="0" smtClean="0"/>
-              <a:t>, </a:t>
-            </a:r>
             <a:r>
               <a:rPr lang="en-US" altLang="zh-CN" sz="1400" dirty="0" err="1" smtClean="0"/>
               <a:t>c_join</a:t>
@@ -11607,13 +11754,6 @@
           <a:bodyPr rtlCol="0" anchor="ctr"/>
           <a:lstStyle/>
           <a:p>
-            <a:r>
-              <a:rPr lang="zh-CN" altLang="en-US" sz="1400" dirty="0" smtClean="0">
-                <a:latin typeface="宋体" pitchFamily="2" charset="-122"/>
-                <a:ea typeface="宋体" pitchFamily="2" charset="-122"/>
-              </a:rPr>
-              <a:t>利用</a:t>
-            </a:r>
             <a:r>
               <a:rPr lang="en-US" altLang="zh-CN" sz="1400" dirty="0" err="1" smtClean="0">
                 <a:latin typeface="宋体" pitchFamily="2" charset="-122"/>
